--- a/documentation and research/sam/Slingspy.pptx
+++ b/documentation and research/sam/Slingspy.pptx
@@ -108,6 +108,11 @@
       </a:defRPr>
     </a:lvl9pPr>
   </p:defaultTextStyle>
+  <p:extLst>
+    <p:ext uri="{EFAFB233-063F-42B5-8137-9DF3F51BA10A}">
+      <p15:sldGuideLst xmlns:p15="http://schemas.microsoft.com/office/powerpoint/2012/main"/>
+    </p:ext>
+  </p:extLst>
 </p:presentation>
 </file>
 
@@ -6206,13 +6211,33 @@
             <p:ph idx="1"/>
           </p:nvPr>
         </p:nvSpPr>
-        <p:spPr/>
+        <p:spPr>
+          <a:xfrm>
+            <a:off x="1103312" y="2052918"/>
+            <a:ext cx="9287597" cy="4195481"/>
+          </a:xfrm>
+        </p:spPr>
         <p:txBody>
           <a:bodyPr/>
           <a:lstStyle/>
           <a:p>
             <a:r>
               <a:rPr lang="en-GB" sz="3200" dirty="0" smtClean="0"/>
+              <a:t>Sumo Digital Brief – Change core mechanic</a:t>
+            </a:r>
+          </a:p>
+          <a:p>
+            <a:r>
+              <a:rPr lang="en-GB" sz="3200" dirty="0" smtClean="0"/>
+              <a:t>Alter how the game is played</a:t>
+            </a:r>
+          </a:p>
+          <a:p>
+            <a:endParaRPr lang="en-GB" sz="3200" dirty="0"/>
+          </a:p>
+          <a:p>
+            <a:r>
+              <a:rPr lang="en-GB" sz="3200" dirty="0" smtClean="0"/>
               <a:t>Slingspy is a Stealth Golf game</a:t>
             </a:r>
           </a:p>
@@ -6239,6 +6264,66 @@
           </a:p>
         </p:txBody>
       </p:sp>
+      <p:pic>
+        <p:nvPicPr>
+          <p:cNvPr id="4" name="Picture 3"/>
+          <p:cNvPicPr>
+            <a:picLocks noChangeAspect="1"/>
+          </p:cNvPicPr>
+          <p:nvPr/>
+        </p:nvPicPr>
+        <p:blipFill>
+          <a:blip r:embed="rId2">
+            <a:extLst>
+              <a:ext uri="{28A0092B-C50C-407E-A947-70E740481C1C}">
+                <a14:useLocalDpi xmlns:a14="http://schemas.microsoft.com/office/drawing/2010/main" val="0"/>
+              </a:ext>
+            </a:extLst>
+          </a:blip>
+          <a:stretch>
+            <a:fillRect/>
+          </a:stretch>
+        </p:blipFill>
+        <p:spPr>
+          <a:xfrm>
+            <a:off x="9076599" y="3213598"/>
+            <a:ext cx="1231182" cy="1846775"/>
+          </a:xfrm>
+          <a:prstGeom prst="rect">
+            <a:avLst/>
+          </a:prstGeom>
+        </p:spPr>
+      </p:pic>
+      <p:pic>
+        <p:nvPicPr>
+          <p:cNvPr id="5" name="Picture 4"/>
+          <p:cNvPicPr>
+            <a:picLocks noChangeAspect="1"/>
+          </p:cNvPicPr>
+          <p:nvPr/>
+        </p:nvPicPr>
+        <p:blipFill>
+          <a:blip r:embed="rId3">
+            <a:extLst>
+              <a:ext uri="{28A0092B-C50C-407E-A947-70E740481C1C}">
+                <a14:useLocalDpi xmlns:a14="http://schemas.microsoft.com/office/drawing/2010/main" val="0"/>
+              </a:ext>
+            </a:extLst>
+          </a:blip>
+          <a:stretch>
+            <a:fillRect/>
+          </a:stretch>
+        </p:blipFill>
+        <p:spPr>
+          <a:xfrm>
+            <a:off x="10491148" y="3240615"/>
+            <a:ext cx="1213171" cy="1819758"/>
+          </a:xfrm>
+          <a:prstGeom prst="rect">
+            <a:avLst/>
+          </a:prstGeom>
+        </p:spPr>
+      </p:pic>
     </p:spTree>
     <p:extLst>
       <p:ext uri="{BB962C8B-B14F-4D97-AF65-F5344CB8AC3E}">
@@ -6334,6 +6419,66 @@
           </a:p>
         </p:txBody>
       </p:sp>
+      <p:pic>
+        <p:nvPicPr>
+          <p:cNvPr id="7" name="Picture 6"/>
+          <p:cNvPicPr>
+            <a:picLocks noChangeAspect="1"/>
+          </p:cNvPicPr>
+          <p:nvPr/>
+        </p:nvPicPr>
+        <p:blipFill>
+          <a:blip r:embed="rId2">
+            <a:extLst>
+              <a:ext uri="{28A0092B-C50C-407E-A947-70E740481C1C}">
+                <a14:useLocalDpi xmlns:a14="http://schemas.microsoft.com/office/drawing/2010/main" val="0"/>
+              </a:ext>
+            </a:extLst>
+          </a:blip>
+          <a:stretch>
+            <a:fillRect/>
+          </a:stretch>
+        </p:blipFill>
+        <p:spPr>
+          <a:xfrm rot="1800000">
+            <a:off x="9219120" y="2671195"/>
+            <a:ext cx="2219194" cy="2958926"/>
+          </a:xfrm>
+          <a:prstGeom prst="rect">
+            <a:avLst/>
+          </a:prstGeom>
+        </p:spPr>
+      </p:pic>
+      <p:pic>
+        <p:nvPicPr>
+          <p:cNvPr id="5" name="Picture 4"/>
+          <p:cNvPicPr>
+            <a:picLocks noChangeAspect="1"/>
+          </p:cNvPicPr>
+          <p:nvPr/>
+        </p:nvPicPr>
+        <p:blipFill>
+          <a:blip r:embed="rId3">
+            <a:extLst>
+              <a:ext uri="{28A0092B-C50C-407E-A947-70E740481C1C}">
+                <a14:useLocalDpi xmlns:a14="http://schemas.microsoft.com/office/drawing/2010/main" val="0"/>
+              </a:ext>
+            </a:extLst>
+          </a:blip>
+          <a:stretch>
+            <a:fillRect/>
+          </a:stretch>
+        </p:blipFill>
+        <p:spPr>
+          <a:xfrm rot="1800000">
+            <a:off x="8091054" y="3963785"/>
+            <a:ext cx="3219796" cy="3219796"/>
+          </a:xfrm>
+          <a:prstGeom prst="rect">
+            <a:avLst/>
+          </a:prstGeom>
+        </p:spPr>
+      </p:pic>
     </p:spTree>
     <p:extLst>
       <p:ext uri="{BB962C8B-B14F-4D97-AF65-F5344CB8AC3E}">
@@ -6446,14 +6591,19 @@
             <p:ph type="title"/>
           </p:nvPr>
         </p:nvSpPr>
-        <p:spPr/>
+        <p:spPr>
+          <a:xfrm>
+            <a:off x="646111" y="452718"/>
+            <a:ext cx="9761424" cy="1400530"/>
+          </a:xfrm>
+        </p:spPr>
         <p:txBody>
           <a:bodyPr/>
           <a:lstStyle/>
           <a:p>
             <a:r>
               <a:rPr lang="en-GB" sz="7200" dirty="0" smtClean="0"/>
-              <a:t>Our Final Goals</a:t>
+              <a:t>Our Final Deliverables</a:t>
             </a:r>
             <a:endParaRPr lang="en-GB" sz="7200" dirty="0"/>
           </a:p>
@@ -6484,20 +6634,206 @@
           <a:p>
             <a:r>
               <a:rPr lang="en-GB" sz="3200" dirty="0" smtClean="0"/>
-              <a:t>Filled with 10 levels each</a:t>
-            </a:r>
-          </a:p>
-          <a:p>
+              <a:t>Filled with </a:t>
+            </a:r>
+            <a:r>
+              <a:rPr lang="en-GB" sz="3200" dirty="0"/>
+              <a:t>5</a:t>
+            </a:r>
             <a:r>
               <a:rPr lang="en-GB" sz="3200" dirty="0" smtClean="0"/>
-              <a:t>Par Mechanics</a:t>
-            </a:r>
-          </a:p>
-          <a:p>
+              <a:t> levels each</a:t>
+            </a:r>
+          </a:p>
+          <a:p>
+            <a:r>
+              <a:rPr lang="en-GB" sz="3200" dirty="0" smtClean="0"/>
+              <a:t>5 Mechanics</a:t>
+            </a:r>
             <a:endParaRPr lang="en-GB" sz="3200" dirty="0"/>
           </a:p>
         </p:txBody>
       </p:sp>
+      <p:pic>
+        <p:nvPicPr>
+          <p:cNvPr id="5" name="Picture 4"/>
+          <p:cNvPicPr>
+            <a:picLocks noChangeAspect="1"/>
+          </p:cNvPicPr>
+          <p:nvPr/>
+        </p:nvPicPr>
+        <p:blipFill>
+          <a:blip r:embed="rId2">
+            <a:extLst>
+              <a:ext uri="{28A0092B-C50C-407E-A947-70E740481C1C}">
+                <a14:useLocalDpi xmlns:a14="http://schemas.microsoft.com/office/drawing/2010/main" val="0"/>
+              </a:ext>
+            </a:extLst>
+          </a:blip>
+          <a:stretch>
+            <a:fillRect/>
+          </a:stretch>
+        </p:blipFill>
+        <p:spPr>
+          <a:xfrm>
+            <a:off x="7280835" y="2393721"/>
+            <a:ext cx="1846540" cy="834224"/>
+          </a:xfrm>
+          <a:prstGeom prst="rect">
+            <a:avLst/>
+          </a:prstGeom>
+        </p:spPr>
+      </p:pic>
+      <p:pic>
+        <p:nvPicPr>
+          <p:cNvPr id="6" name="Picture 5"/>
+          <p:cNvPicPr>
+            <a:picLocks noChangeAspect="1"/>
+          </p:cNvPicPr>
+          <p:nvPr/>
+        </p:nvPicPr>
+        <p:blipFill>
+          <a:blip r:embed="rId3">
+            <a:extLst>
+              <a:ext uri="{28A0092B-C50C-407E-A947-70E740481C1C}">
+                <a14:useLocalDpi xmlns:a14="http://schemas.microsoft.com/office/drawing/2010/main" val="0"/>
+              </a:ext>
+            </a:extLst>
+          </a:blip>
+          <a:stretch>
+            <a:fillRect/>
+          </a:stretch>
+        </p:blipFill>
+        <p:spPr>
+          <a:xfrm rot="10800000">
+            <a:off x="7761104" y="3337852"/>
+            <a:ext cx="886002" cy="773849"/>
+          </a:xfrm>
+          <a:prstGeom prst="rect">
+            <a:avLst/>
+          </a:prstGeom>
+        </p:spPr>
+      </p:pic>
+      <p:pic>
+        <p:nvPicPr>
+          <p:cNvPr id="7" name="Picture 6"/>
+          <p:cNvPicPr>
+            <a:picLocks noChangeAspect="1"/>
+          </p:cNvPicPr>
+          <p:nvPr/>
+        </p:nvPicPr>
+        <p:blipFill>
+          <a:blip r:embed="rId4">
+            <a:extLst>
+              <a:ext uri="{28A0092B-C50C-407E-A947-70E740481C1C}">
+                <a14:useLocalDpi xmlns:a14="http://schemas.microsoft.com/office/drawing/2010/main" val="0"/>
+              </a:ext>
+            </a:extLst>
+          </a:blip>
+          <a:stretch>
+            <a:fillRect/>
+          </a:stretch>
+        </p:blipFill>
+        <p:spPr>
+          <a:xfrm rot="16200000">
+            <a:off x="8825252" y="3632113"/>
+            <a:ext cx="1820032" cy="1411036"/>
+          </a:xfrm>
+          <a:prstGeom prst="rect">
+            <a:avLst/>
+          </a:prstGeom>
+        </p:spPr>
+      </p:pic>
+      <p:pic>
+        <p:nvPicPr>
+          <p:cNvPr id="8" name="Picture 7"/>
+          <p:cNvPicPr>
+            <a:picLocks noChangeAspect="1"/>
+          </p:cNvPicPr>
+          <p:nvPr/>
+        </p:nvPicPr>
+        <p:blipFill>
+          <a:blip r:embed="rId5">
+            <a:extLst>
+              <a:ext uri="{28A0092B-C50C-407E-A947-70E740481C1C}">
+                <a14:useLocalDpi xmlns:a14="http://schemas.microsoft.com/office/drawing/2010/main" val="0"/>
+              </a:ext>
+            </a:extLst>
+          </a:blip>
+          <a:stretch>
+            <a:fillRect/>
+          </a:stretch>
+        </p:blipFill>
+        <p:spPr>
+          <a:xfrm>
+            <a:off x="7047486" y="1983889"/>
+            <a:ext cx="2687782" cy="2687782"/>
+          </a:xfrm>
+          <a:prstGeom prst="rect">
+            <a:avLst/>
+          </a:prstGeom>
+        </p:spPr>
+      </p:pic>
+      <p:pic>
+        <p:nvPicPr>
+          <p:cNvPr id="10" name="Picture 9"/>
+          <p:cNvPicPr>
+            <a:picLocks noChangeAspect="1"/>
+          </p:cNvPicPr>
+          <p:nvPr/>
+        </p:nvPicPr>
+        <p:blipFill>
+          <a:blip r:embed="rId6">
+            <a:extLst>
+              <a:ext uri="{28A0092B-C50C-407E-A947-70E740481C1C}">
+                <a14:useLocalDpi xmlns:a14="http://schemas.microsoft.com/office/drawing/2010/main" val="0"/>
+              </a:ext>
+            </a:extLst>
+          </a:blip>
+          <a:stretch>
+            <a:fillRect/>
+          </a:stretch>
+        </p:blipFill>
+        <p:spPr>
+          <a:xfrm rot="15300000">
+            <a:off x="3479143" y="3552934"/>
+            <a:ext cx="2225527" cy="2892055"/>
+          </a:xfrm>
+          <a:prstGeom prst="rect">
+            <a:avLst/>
+          </a:prstGeom>
+        </p:spPr>
+      </p:pic>
+      <p:pic>
+        <p:nvPicPr>
+          <p:cNvPr id="9" name="Picture 8"/>
+          <p:cNvPicPr>
+            <a:picLocks noChangeAspect="1"/>
+          </p:cNvPicPr>
+          <p:nvPr/>
+        </p:nvPicPr>
+        <p:blipFill>
+          <a:blip r:embed="rId5">
+            <a:extLst>
+              <a:ext uri="{28A0092B-C50C-407E-A947-70E740481C1C}">
+                <a14:useLocalDpi xmlns:a14="http://schemas.microsoft.com/office/drawing/2010/main" val="0"/>
+              </a:ext>
+            </a:extLst>
+          </a:blip>
+          <a:stretch>
+            <a:fillRect/>
+          </a:stretch>
+        </p:blipFill>
+        <p:spPr>
+          <a:xfrm rot="15300000">
+            <a:off x="4473259" y="2937499"/>
+            <a:ext cx="3025833" cy="3025833"/>
+          </a:xfrm>
+          <a:prstGeom prst="rect">
+            <a:avLst/>
+          </a:prstGeom>
+        </p:spPr>
+      </p:pic>
     </p:spTree>
     <p:extLst>
       <p:ext uri="{BB962C8B-B14F-4D97-AF65-F5344CB8AC3E}">
